--- a/static/face_module/introduction/Dlib_Face_recognition_by_coneypo.pptx
+++ b/static/face_module/introduction/Dlib_Face_recognition_by_coneypo.pptx
@@ -5,8 +5,7 @@
     <p:sldMasterId id="2147483648" r:id="rId1"/>
   </p:sldMasterIdLst>
   <p:sldIdLst>
-    <p:sldId id="256" r:id="rId2"/>
-    <p:sldId id="257" r:id="rId3"/>
+    <p:sldId id="257" r:id="rId2"/>
   </p:sldIdLst>
   <p:sldSz cx="12192000" cy="6858000"/>
   <p:notesSz cx="6858000" cy="9144000"/>
@@ -155,10 +154,9 @@
           </a:lstStyle>
           <a:p>
             <a:r>
-              <a:rPr lang="zh-CN" altLang="en-US" smtClean="0"/>
+              <a:rPr lang="zh-CN" altLang="en-US"/>
               <a:t>单击此处编辑母版标题样式</a:t>
             </a:r>
-            <a:endParaRPr lang="zh-CN" altLang="en-US"/>
           </a:p>
         </p:txBody>
       </p:sp>
@@ -220,10 +218,9 @@
           </a:lstStyle>
           <a:p>
             <a:r>
-              <a:rPr lang="zh-CN" altLang="en-US" smtClean="0"/>
+              <a:rPr lang="zh-CN" altLang="en-US"/>
               <a:t>单击以编辑母版副标题样式</a:t>
             </a:r>
-            <a:endParaRPr lang="zh-CN" altLang="en-US"/>
           </a:p>
         </p:txBody>
       </p:sp>
@@ -244,7 +241,7 @@
           <a:p>
             <a:fld id="{181EB48F-690E-47BC-A710-8A96CE427C21}" type="datetimeFigureOut">
               <a:rPr lang="zh-CN" altLang="en-US" smtClean="0"/>
-              <a:t>2019/4/9</a:t>
+              <a:t>2019/10/31</a:t>
             </a:fld>
             <a:endParaRPr lang="zh-CN" altLang="en-US"/>
           </a:p>
@@ -338,10 +335,9 @@
           <a:lstStyle/>
           <a:p>
             <a:r>
-              <a:rPr lang="zh-CN" altLang="en-US" smtClean="0"/>
+              <a:rPr lang="zh-CN" altLang="en-US"/>
               <a:t>单击此处编辑母版标题样式</a:t>
             </a:r>
-            <a:endParaRPr lang="zh-CN" altLang="en-US"/>
           </a:p>
         </p:txBody>
       </p:sp>
@@ -362,38 +358,37 @@
           <a:p>
             <a:pPr lvl="0"/>
             <a:r>
-              <a:rPr lang="zh-CN" altLang="en-US" smtClean="0"/>
+              <a:rPr lang="zh-CN" altLang="en-US"/>
               <a:t>编辑母版文本样式</a:t>
             </a:r>
           </a:p>
           <a:p>
             <a:pPr lvl="1"/>
             <a:r>
-              <a:rPr lang="zh-CN" altLang="en-US" smtClean="0"/>
+              <a:rPr lang="zh-CN" altLang="en-US"/>
               <a:t>第二级</a:t>
             </a:r>
           </a:p>
           <a:p>
             <a:pPr lvl="2"/>
             <a:r>
-              <a:rPr lang="zh-CN" altLang="en-US" smtClean="0"/>
+              <a:rPr lang="zh-CN" altLang="en-US"/>
               <a:t>第三级</a:t>
             </a:r>
           </a:p>
           <a:p>
             <a:pPr lvl="3"/>
             <a:r>
-              <a:rPr lang="zh-CN" altLang="en-US" smtClean="0"/>
+              <a:rPr lang="zh-CN" altLang="en-US"/>
               <a:t>第四级</a:t>
             </a:r>
           </a:p>
           <a:p>
             <a:pPr lvl="4"/>
             <a:r>
-              <a:rPr lang="zh-CN" altLang="en-US" smtClean="0"/>
+              <a:rPr lang="zh-CN" altLang="en-US"/>
               <a:t>第五级</a:t>
             </a:r>
-            <a:endParaRPr lang="zh-CN" altLang="en-US"/>
           </a:p>
         </p:txBody>
       </p:sp>
@@ -414,7 +409,7 @@
           <a:p>
             <a:fld id="{181EB48F-690E-47BC-A710-8A96CE427C21}" type="datetimeFigureOut">
               <a:rPr lang="zh-CN" altLang="en-US" smtClean="0"/>
-              <a:t>2019/4/9</a:t>
+              <a:t>2019/10/31</a:t>
             </a:fld>
             <a:endParaRPr lang="zh-CN" altLang="en-US"/>
           </a:p>
@@ -513,10 +508,9 @@
           <a:lstStyle/>
           <a:p>
             <a:r>
-              <a:rPr lang="zh-CN" altLang="en-US" smtClean="0"/>
+              <a:rPr lang="zh-CN" altLang="en-US"/>
               <a:t>单击此处编辑母版标题样式</a:t>
             </a:r>
-            <a:endParaRPr lang="zh-CN" altLang="en-US"/>
           </a:p>
         </p:txBody>
       </p:sp>
@@ -542,38 +536,37 @@
           <a:p>
             <a:pPr lvl="0"/>
             <a:r>
-              <a:rPr lang="zh-CN" altLang="en-US" smtClean="0"/>
+              <a:rPr lang="zh-CN" altLang="en-US"/>
               <a:t>编辑母版文本样式</a:t>
             </a:r>
           </a:p>
           <a:p>
             <a:pPr lvl="1"/>
             <a:r>
-              <a:rPr lang="zh-CN" altLang="en-US" smtClean="0"/>
+              <a:rPr lang="zh-CN" altLang="en-US"/>
               <a:t>第二级</a:t>
             </a:r>
           </a:p>
           <a:p>
             <a:pPr lvl="2"/>
             <a:r>
-              <a:rPr lang="zh-CN" altLang="en-US" smtClean="0"/>
+              <a:rPr lang="zh-CN" altLang="en-US"/>
               <a:t>第三级</a:t>
             </a:r>
           </a:p>
           <a:p>
             <a:pPr lvl="3"/>
             <a:r>
-              <a:rPr lang="zh-CN" altLang="en-US" smtClean="0"/>
+              <a:rPr lang="zh-CN" altLang="en-US"/>
               <a:t>第四级</a:t>
             </a:r>
           </a:p>
           <a:p>
             <a:pPr lvl="4"/>
             <a:r>
-              <a:rPr lang="zh-CN" altLang="en-US" smtClean="0"/>
+              <a:rPr lang="zh-CN" altLang="en-US"/>
               <a:t>第五级</a:t>
             </a:r>
-            <a:endParaRPr lang="zh-CN" altLang="en-US"/>
           </a:p>
         </p:txBody>
       </p:sp>
@@ -594,7 +587,7 @@
           <a:p>
             <a:fld id="{181EB48F-690E-47BC-A710-8A96CE427C21}" type="datetimeFigureOut">
               <a:rPr lang="zh-CN" altLang="en-US" smtClean="0"/>
-              <a:t>2019/4/9</a:t>
+              <a:t>2019/10/31</a:t>
             </a:fld>
             <a:endParaRPr lang="zh-CN" altLang="en-US"/>
           </a:p>
@@ -688,10 +681,9 @@
           <a:lstStyle/>
           <a:p>
             <a:r>
-              <a:rPr lang="zh-CN" altLang="en-US" smtClean="0"/>
+              <a:rPr lang="zh-CN" altLang="en-US"/>
               <a:t>单击此处编辑母版标题样式</a:t>
             </a:r>
-            <a:endParaRPr lang="zh-CN" altLang="en-US"/>
           </a:p>
         </p:txBody>
       </p:sp>
@@ -712,38 +704,37 @@
           <a:p>
             <a:pPr lvl="0"/>
             <a:r>
-              <a:rPr lang="zh-CN" altLang="en-US" smtClean="0"/>
+              <a:rPr lang="zh-CN" altLang="en-US"/>
               <a:t>编辑母版文本样式</a:t>
             </a:r>
           </a:p>
           <a:p>
             <a:pPr lvl="1"/>
             <a:r>
-              <a:rPr lang="zh-CN" altLang="en-US" smtClean="0"/>
+              <a:rPr lang="zh-CN" altLang="en-US"/>
               <a:t>第二级</a:t>
             </a:r>
           </a:p>
           <a:p>
             <a:pPr lvl="2"/>
             <a:r>
-              <a:rPr lang="zh-CN" altLang="en-US" smtClean="0"/>
+              <a:rPr lang="zh-CN" altLang="en-US"/>
               <a:t>第三级</a:t>
             </a:r>
           </a:p>
           <a:p>
             <a:pPr lvl="3"/>
             <a:r>
-              <a:rPr lang="zh-CN" altLang="en-US" smtClean="0"/>
+              <a:rPr lang="zh-CN" altLang="en-US"/>
               <a:t>第四级</a:t>
             </a:r>
           </a:p>
           <a:p>
             <a:pPr lvl="4"/>
             <a:r>
-              <a:rPr lang="zh-CN" altLang="en-US" smtClean="0"/>
+              <a:rPr lang="zh-CN" altLang="en-US"/>
               <a:t>第五级</a:t>
             </a:r>
-            <a:endParaRPr lang="zh-CN" altLang="en-US"/>
           </a:p>
         </p:txBody>
       </p:sp>
@@ -764,7 +755,7 @@
           <a:p>
             <a:fld id="{181EB48F-690E-47BC-A710-8A96CE427C21}" type="datetimeFigureOut">
               <a:rPr lang="zh-CN" altLang="en-US" smtClean="0"/>
-              <a:t>2019/4/9</a:t>
+              <a:t>2019/10/31</a:t>
             </a:fld>
             <a:endParaRPr lang="zh-CN" altLang="en-US"/>
           </a:p>
@@ -867,10 +858,9 @@
           </a:lstStyle>
           <a:p>
             <a:r>
-              <a:rPr lang="zh-CN" altLang="en-US" smtClean="0"/>
+              <a:rPr lang="zh-CN" altLang="en-US"/>
               <a:t>单击此处编辑母版标题样式</a:t>
             </a:r>
-            <a:endParaRPr lang="zh-CN" altLang="en-US"/>
           </a:p>
         </p:txBody>
       </p:sp>
@@ -987,7 +977,7 @@
           <a:p>
             <a:pPr lvl="0"/>
             <a:r>
-              <a:rPr lang="zh-CN" altLang="en-US" smtClean="0"/>
+              <a:rPr lang="zh-CN" altLang="en-US"/>
               <a:t>编辑母版文本样式</a:t>
             </a:r>
           </a:p>
@@ -1010,7 +1000,7 @@
           <a:p>
             <a:fld id="{181EB48F-690E-47BC-A710-8A96CE427C21}" type="datetimeFigureOut">
               <a:rPr lang="zh-CN" altLang="en-US" smtClean="0"/>
-              <a:t>2019/4/9</a:t>
+              <a:t>2019/10/31</a:t>
             </a:fld>
             <a:endParaRPr lang="zh-CN" altLang="en-US"/>
           </a:p>
@@ -1104,10 +1094,9 @@
           <a:lstStyle/>
           <a:p>
             <a:r>
-              <a:rPr lang="zh-CN" altLang="en-US" smtClean="0"/>
+              <a:rPr lang="zh-CN" altLang="en-US"/>
               <a:t>单击此处编辑母版标题样式</a:t>
             </a:r>
-            <a:endParaRPr lang="zh-CN" altLang="en-US"/>
           </a:p>
         </p:txBody>
       </p:sp>
@@ -1133,38 +1122,37 @@
           <a:p>
             <a:pPr lvl="0"/>
             <a:r>
-              <a:rPr lang="zh-CN" altLang="en-US" smtClean="0"/>
+              <a:rPr lang="zh-CN" altLang="en-US"/>
               <a:t>编辑母版文本样式</a:t>
             </a:r>
           </a:p>
           <a:p>
             <a:pPr lvl="1"/>
             <a:r>
-              <a:rPr lang="zh-CN" altLang="en-US" smtClean="0"/>
+              <a:rPr lang="zh-CN" altLang="en-US"/>
               <a:t>第二级</a:t>
             </a:r>
           </a:p>
           <a:p>
             <a:pPr lvl="2"/>
             <a:r>
-              <a:rPr lang="zh-CN" altLang="en-US" smtClean="0"/>
+              <a:rPr lang="zh-CN" altLang="en-US"/>
               <a:t>第三级</a:t>
             </a:r>
           </a:p>
           <a:p>
             <a:pPr lvl="3"/>
             <a:r>
-              <a:rPr lang="zh-CN" altLang="en-US" smtClean="0"/>
+              <a:rPr lang="zh-CN" altLang="en-US"/>
               <a:t>第四级</a:t>
             </a:r>
           </a:p>
           <a:p>
             <a:pPr lvl="4"/>
             <a:r>
-              <a:rPr lang="zh-CN" altLang="en-US" smtClean="0"/>
+              <a:rPr lang="zh-CN" altLang="en-US"/>
               <a:t>第五级</a:t>
             </a:r>
-            <a:endParaRPr lang="zh-CN" altLang="en-US"/>
           </a:p>
         </p:txBody>
       </p:sp>
@@ -1190,38 +1178,37 @@
           <a:p>
             <a:pPr lvl="0"/>
             <a:r>
-              <a:rPr lang="zh-CN" altLang="en-US" smtClean="0"/>
+              <a:rPr lang="zh-CN" altLang="en-US"/>
               <a:t>编辑母版文本样式</a:t>
             </a:r>
           </a:p>
           <a:p>
             <a:pPr lvl="1"/>
             <a:r>
-              <a:rPr lang="zh-CN" altLang="en-US" smtClean="0"/>
+              <a:rPr lang="zh-CN" altLang="en-US"/>
               <a:t>第二级</a:t>
             </a:r>
           </a:p>
           <a:p>
             <a:pPr lvl="2"/>
             <a:r>
-              <a:rPr lang="zh-CN" altLang="en-US" smtClean="0"/>
+              <a:rPr lang="zh-CN" altLang="en-US"/>
               <a:t>第三级</a:t>
             </a:r>
           </a:p>
           <a:p>
             <a:pPr lvl="3"/>
             <a:r>
-              <a:rPr lang="zh-CN" altLang="en-US" smtClean="0"/>
+              <a:rPr lang="zh-CN" altLang="en-US"/>
               <a:t>第四级</a:t>
             </a:r>
           </a:p>
           <a:p>
             <a:pPr lvl="4"/>
             <a:r>
-              <a:rPr lang="zh-CN" altLang="en-US" smtClean="0"/>
+              <a:rPr lang="zh-CN" altLang="en-US"/>
               <a:t>第五级</a:t>
             </a:r>
-            <a:endParaRPr lang="zh-CN" altLang="en-US"/>
           </a:p>
         </p:txBody>
       </p:sp>
@@ -1242,7 +1229,7 @@
           <a:p>
             <a:fld id="{181EB48F-690E-47BC-A710-8A96CE427C21}" type="datetimeFigureOut">
               <a:rPr lang="zh-CN" altLang="en-US" smtClean="0"/>
-              <a:t>2019/4/9</a:t>
+              <a:t>2019/10/31</a:t>
             </a:fld>
             <a:endParaRPr lang="zh-CN" altLang="en-US"/>
           </a:p>
@@ -1341,10 +1328,9 @@
           <a:lstStyle/>
           <a:p>
             <a:r>
-              <a:rPr lang="zh-CN" altLang="en-US" smtClean="0"/>
+              <a:rPr lang="zh-CN" altLang="en-US"/>
               <a:t>单击此处编辑母版标题样式</a:t>
             </a:r>
-            <a:endParaRPr lang="zh-CN" altLang="en-US"/>
           </a:p>
         </p:txBody>
       </p:sp>
@@ -1407,7 +1393,7 @@
           <a:p>
             <a:pPr lvl="0"/>
             <a:r>
-              <a:rPr lang="zh-CN" altLang="en-US" smtClean="0"/>
+              <a:rPr lang="zh-CN" altLang="en-US"/>
               <a:t>编辑母版文本样式</a:t>
             </a:r>
           </a:p>
@@ -1435,38 +1421,37 @@
           <a:p>
             <a:pPr lvl="0"/>
             <a:r>
-              <a:rPr lang="zh-CN" altLang="en-US" smtClean="0"/>
+              <a:rPr lang="zh-CN" altLang="en-US"/>
               <a:t>编辑母版文本样式</a:t>
             </a:r>
           </a:p>
           <a:p>
             <a:pPr lvl="1"/>
             <a:r>
-              <a:rPr lang="zh-CN" altLang="en-US" smtClean="0"/>
+              <a:rPr lang="zh-CN" altLang="en-US"/>
               <a:t>第二级</a:t>
             </a:r>
           </a:p>
           <a:p>
             <a:pPr lvl="2"/>
             <a:r>
-              <a:rPr lang="zh-CN" altLang="en-US" smtClean="0"/>
+              <a:rPr lang="zh-CN" altLang="en-US"/>
               <a:t>第三级</a:t>
             </a:r>
           </a:p>
           <a:p>
             <a:pPr lvl="3"/>
             <a:r>
-              <a:rPr lang="zh-CN" altLang="en-US" smtClean="0"/>
+              <a:rPr lang="zh-CN" altLang="en-US"/>
               <a:t>第四级</a:t>
             </a:r>
           </a:p>
           <a:p>
             <a:pPr lvl="4"/>
             <a:r>
-              <a:rPr lang="zh-CN" altLang="en-US" smtClean="0"/>
+              <a:rPr lang="zh-CN" altLang="en-US"/>
               <a:t>第五级</a:t>
             </a:r>
-            <a:endParaRPr lang="zh-CN" altLang="en-US"/>
           </a:p>
         </p:txBody>
       </p:sp>
@@ -1529,7 +1514,7 @@
           <a:p>
             <a:pPr lvl="0"/>
             <a:r>
-              <a:rPr lang="zh-CN" altLang="en-US" smtClean="0"/>
+              <a:rPr lang="zh-CN" altLang="en-US"/>
               <a:t>编辑母版文本样式</a:t>
             </a:r>
           </a:p>
@@ -1557,38 +1542,37 @@
           <a:p>
             <a:pPr lvl="0"/>
             <a:r>
-              <a:rPr lang="zh-CN" altLang="en-US" smtClean="0"/>
+              <a:rPr lang="zh-CN" altLang="en-US"/>
               <a:t>编辑母版文本样式</a:t>
             </a:r>
           </a:p>
           <a:p>
             <a:pPr lvl="1"/>
             <a:r>
-              <a:rPr lang="zh-CN" altLang="en-US" smtClean="0"/>
+              <a:rPr lang="zh-CN" altLang="en-US"/>
               <a:t>第二级</a:t>
             </a:r>
           </a:p>
           <a:p>
             <a:pPr lvl="2"/>
             <a:r>
-              <a:rPr lang="zh-CN" altLang="en-US" smtClean="0"/>
+              <a:rPr lang="zh-CN" altLang="en-US"/>
               <a:t>第三级</a:t>
             </a:r>
           </a:p>
           <a:p>
             <a:pPr lvl="3"/>
             <a:r>
-              <a:rPr lang="zh-CN" altLang="en-US" smtClean="0"/>
+              <a:rPr lang="zh-CN" altLang="en-US"/>
               <a:t>第四级</a:t>
             </a:r>
           </a:p>
           <a:p>
             <a:pPr lvl="4"/>
             <a:r>
-              <a:rPr lang="zh-CN" altLang="en-US" smtClean="0"/>
+              <a:rPr lang="zh-CN" altLang="en-US"/>
               <a:t>第五级</a:t>
             </a:r>
-            <a:endParaRPr lang="zh-CN" altLang="en-US"/>
           </a:p>
         </p:txBody>
       </p:sp>
@@ -1609,7 +1593,7 @@
           <a:p>
             <a:fld id="{181EB48F-690E-47BC-A710-8A96CE427C21}" type="datetimeFigureOut">
               <a:rPr lang="zh-CN" altLang="en-US" smtClean="0"/>
-              <a:t>2019/4/9</a:t>
+              <a:t>2019/10/31</a:t>
             </a:fld>
             <a:endParaRPr lang="zh-CN" altLang="en-US"/>
           </a:p>
@@ -1703,10 +1687,9 @@
           <a:lstStyle/>
           <a:p>
             <a:r>
-              <a:rPr lang="zh-CN" altLang="en-US" smtClean="0"/>
+              <a:rPr lang="zh-CN" altLang="en-US"/>
               <a:t>单击此处编辑母版标题样式</a:t>
             </a:r>
-            <a:endParaRPr lang="zh-CN" altLang="en-US"/>
           </a:p>
         </p:txBody>
       </p:sp>
@@ -1727,7 +1710,7 @@
           <a:p>
             <a:fld id="{181EB48F-690E-47BC-A710-8A96CE427C21}" type="datetimeFigureOut">
               <a:rPr lang="zh-CN" altLang="en-US" smtClean="0"/>
-              <a:t>2019/4/9</a:t>
+              <a:t>2019/10/31</a:t>
             </a:fld>
             <a:endParaRPr lang="zh-CN" altLang="en-US"/>
           </a:p>
@@ -1822,7 +1805,7 @@
           <a:p>
             <a:fld id="{181EB48F-690E-47BC-A710-8A96CE427C21}" type="datetimeFigureOut">
               <a:rPr lang="zh-CN" altLang="en-US" smtClean="0"/>
-              <a:t>2019/4/9</a:t>
+              <a:t>2019/10/31</a:t>
             </a:fld>
             <a:endParaRPr lang="zh-CN" altLang="en-US"/>
           </a:p>
@@ -1925,10 +1908,9 @@
           </a:lstStyle>
           <a:p>
             <a:r>
-              <a:rPr lang="zh-CN" altLang="en-US" smtClean="0"/>
+              <a:rPr lang="zh-CN" altLang="en-US"/>
               <a:t>单击此处编辑母版标题样式</a:t>
             </a:r>
-            <a:endParaRPr lang="zh-CN" altLang="en-US"/>
           </a:p>
         </p:txBody>
       </p:sp>
@@ -1982,38 +1964,37 @@
           <a:p>
             <a:pPr lvl="0"/>
             <a:r>
-              <a:rPr lang="zh-CN" altLang="en-US" smtClean="0"/>
+              <a:rPr lang="zh-CN" altLang="en-US"/>
               <a:t>编辑母版文本样式</a:t>
             </a:r>
           </a:p>
           <a:p>
             <a:pPr lvl="1"/>
             <a:r>
-              <a:rPr lang="zh-CN" altLang="en-US" smtClean="0"/>
+              <a:rPr lang="zh-CN" altLang="en-US"/>
               <a:t>第二级</a:t>
             </a:r>
           </a:p>
           <a:p>
             <a:pPr lvl="2"/>
             <a:r>
-              <a:rPr lang="zh-CN" altLang="en-US" smtClean="0"/>
+              <a:rPr lang="zh-CN" altLang="en-US"/>
               <a:t>第三级</a:t>
             </a:r>
           </a:p>
           <a:p>
             <a:pPr lvl="3"/>
             <a:r>
-              <a:rPr lang="zh-CN" altLang="en-US" smtClean="0"/>
+              <a:rPr lang="zh-CN" altLang="en-US"/>
               <a:t>第四级</a:t>
             </a:r>
           </a:p>
           <a:p>
             <a:pPr lvl="4"/>
             <a:r>
-              <a:rPr lang="zh-CN" altLang="en-US" smtClean="0"/>
+              <a:rPr lang="zh-CN" altLang="en-US"/>
               <a:t>第五级</a:t>
             </a:r>
-            <a:endParaRPr lang="zh-CN" altLang="en-US"/>
           </a:p>
         </p:txBody>
       </p:sp>
@@ -2076,7 +2057,7 @@
           <a:p>
             <a:pPr lvl="0"/>
             <a:r>
-              <a:rPr lang="zh-CN" altLang="en-US" smtClean="0"/>
+              <a:rPr lang="zh-CN" altLang="en-US"/>
               <a:t>编辑母版文本样式</a:t>
             </a:r>
           </a:p>
@@ -2099,7 +2080,7 @@
           <a:p>
             <a:fld id="{181EB48F-690E-47BC-A710-8A96CE427C21}" type="datetimeFigureOut">
               <a:rPr lang="zh-CN" altLang="en-US" smtClean="0"/>
-              <a:t>2019/4/9</a:t>
+              <a:t>2019/10/31</a:t>
             </a:fld>
             <a:endParaRPr lang="zh-CN" altLang="en-US"/>
           </a:p>
@@ -2202,10 +2183,9 @@
           </a:lstStyle>
           <a:p>
             <a:r>
-              <a:rPr lang="zh-CN" altLang="en-US" smtClean="0"/>
+              <a:rPr lang="zh-CN" altLang="en-US"/>
               <a:t>单击此处编辑母版标题样式</a:t>
             </a:r>
-            <a:endParaRPr lang="zh-CN" altLang="en-US"/>
           </a:p>
         </p:txBody>
       </p:sp>
@@ -2329,7 +2309,7 @@
           <a:p>
             <a:pPr lvl="0"/>
             <a:r>
-              <a:rPr lang="zh-CN" altLang="en-US" smtClean="0"/>
+              <a:rPr lang="zh-CN" altLang="en-US"/>
               <a:t>编辑母版文本样式</a:t>
             </a:r>
           </a:p>
@@ -2352,7 +2332,7 @@
           <a:p>
             <a:fld id="{181EB48F-690E-47BC-A710-8A96CE427C21}" type="datetimeFigureOut">
               <a:rPr lang="zh-CN" altLang="en-US" smtClean="0"/>
-              <a:t>2019/4/9</a:t>
+              <a:t>2019/10/31</a:t>
             </a:fld>
             <a:endParaRPr lang="zh-CN" altLang="en-US"/>
           </a:p>
@@ -2461,10 +2441,9 @@
           <a:lstStyle/>
           <a:p>
             <a:r>
-              <a:rPr lang="zh-CN" altLang="en-US" smtClean="0"/>
+              <a:rPr lang="zh-CN" altLang="en-US"/>
               <a:t>单击此处编辑母版标题样式</a:t>
             </a:r>
-            <a:endParaRPr lang="zh-CN" altLang="en-US"/>
           </a:p>
         </p:txBody>
       </p:sp>
@@ -2495,38 +2474,37 @@
           <a:p>
             <a:pPr lvl="0"/>
             <a:r>
-              <a:rPr lang="zh-CN" altLang="en-US" smtClean="0"/>
+              <a:rPr lang="zh-CN" altLang="en-US"/>
               <a:t>编辑母版文本样式</a:t>
             </a:r>
           </a:p>
           <a:p>
             <a:pPr lvl="1"/>
             <a:r>
-              <a:rPr lang="zh-CN" altLang="en-US" smtClean="0"/>
+              <a:rPr lang="zh-CN" altLang="en-US"/>
               <a:t>第二级</a:t>
             </a:r>
           </a:p>
           <a:p>
             <a:pPr lvl="2"/>
             <a:r>
-              <a:rPr lang="zh-CN" altLang="en-US" smtClean="0"/>
+              <a:rPr lang="zh-CN" altLang="en-US"/>
               <a:t>第三级</a:t>
             </a:r>
           </a:p>
           <a:p>
             <a:pPr lvl="3"/>
             <a:r>
-              <a:rPr lang="zh-CN" altLang="en-US" smtClean="0"/>
+              <a:rPr lang="zh-CN" altLang="en-US"/>
               <a:t>第四级</a:t>
             </a:r>
           </a:p>
           <a:p>
             <a:pPr lvl="4"/>
             <a:r>
-              <a:rPr lang="zh-CN" altLang="en-US" smtClean="0"/>
+              <a:rPr lang="zh-CN" altLang="en-US"/>
               <a:t>第五级</a:t>
             </a:r>
-            <a:endParaRPr lang="zh-CN" altLang="en-US"/>
           </a:p>
         </p:txBody>
       </p:sp>
@@ -2565,7 +2543,7 @@
           <a:p>
             <a:fld id="{181EB48F-690E-47BC-A710-8A96CE427C21}" type="datetimeFigureOut">
               <a:rPr lang="zh-CN" altLang="en-US" smtClean="0"/>
-              <a:t>2019/4/9</a:t>
+              <a:t>2019/10/31</a:t>
             </a:fld>
             <a:endParaRPr lang="zh-CN" altLang="en-US"/>
           </a:p>
@@ -2977,156 +2955,6 @@
             <a:spLocks noGrp="1"/>
           </p:cNvSpPr>
           <p:nvPr>
-            <p:ph type="ctrTitle"/>
-          </p:nvPr>
-        </p:nvSpPr>
-        <p:spPr>
-          <a:xfrm>
-            <a:off x="1242646" y="1333378"/>
-            <a:ext cx="9144000" cy="2387600"/>
-          </a:xfrm>
-        </p:spPr>
-        <p:txBody>
-          <a:bodyPr/>
-          <a:lstStyle/>
-          <a:p>
-            <a:pPr algn="l"/>
-            <a:r>
-              <a:rPr lang="zh-CN" altLang="en-US" smtClean="0"/>
-              <a:t>人脸识别</a:t>
-            </a:r>
-            <a:r>
-              <a:rPr lang="en-US" altLang="zh-CN" smtClean="0"/>
-              <a:t/>
-            </a:r>
-            <a:br>
-              <a:rPr lang="en-US" altLang="zh-CN" smtClean="0"/>
-            </a:br>
-            <a:r>
-              <a:rPr lang="en-US" altLang="zh-CN" smtClean="0"/>
-              <a:t>Face Recognition by Dlib</a:t>
-            </a:r>
-            <a:endParaRPr lang="zh-CN" altLang="en-US"/>
-          </a:p>
-        </p:txBody>
-      </p:sp>
-      <p:sp>
-        <p:nvSpPr>
-          <p:cNvPr id="3" name="副标题 2"/>
-          <p:cNvSpPr>
-            <a:spLocks noGrp="1"/>
-          </p:cNvSpPr>
-          <p:nvPr>
-            <p:ph type="subTitle" idx="1"/>
-          </p:nvPr>
-        </p:nvSpPr>
-        <p:spPr>
-          <a:xfrm>
-            <a:off x="1242646" y="4442973"/>
-            <a:ext cx="9144000" cy="1655762"/>
-          </a:xfrm>
-        </p:spPr>
-        <p:txBody>
-          <a:bodyPr/>
-          <a:lstStyle/>
-          <a:p>
-            <a:pPr algn="l"/>
-            <a:r>
-              <a:rPr lang="en-US" altLang="zh-CN" smtClean="0"/>
-              <a:t>Author : 	coneypo</a:t>
-            </a:r>
-          </a:p>
-          <a:p>
-            <a:pPr algn="l"/>
-            <a:r>
-              <a:rPr lang="en-US" altLang="zh-CN" smtClean="0"/>
-              <a:t>Github : 	</a:t>
-            </a:r>
-            <a:r>
-              <a:rPr lang="en-US" altLang="zh-CN" smtClean="0">
-                <a:hlinkClick r:id="rId2"/>
-              </a:rPr>
-              <a:t>https</a:t>
-            </a:r>
-            <a:r>
-              <a:rPr lang="en-US" altLang="zh-CN">
-                <a:hlinkClick r:id="rId2"/>
-              </a:rPr>
-              <a:t>://</a:t>
-            </a:r>
-            <a:r>
-              <a:rPr lang="en-US" altLang="zh-CN" smtClean="0">
-                <a:hlinkClick r:id="rId2"/>
-              </a:rPr>
-              <a:t>github.com/coneypo</a:t>
-            </a:r>
-            <a:endParaRPr lang="en-US" altLang="zh-CN"/>
-          </a:p>
-          <a:p>
-            <a:pPr algn="l"/>
-            <a:r>
-              <a:rPr lang="en-US" altLang="zh-CN" smtClean="0"/>
-              <a:t>Blog : 		</a:t>
-            </a:r>
-            <a:r>
-              <a:rPr lang="en-US" altLang="zh-CN" smtClean="0">
-                <a:hlinkClick r:id="rId3"/>
-              </a:rPr>
-              <a:t>http</a:t>
-            </a:r>
-            <a:r>
-              <a:rPr lang="en-US" altLang="zh-CN">
-                <a:hlinkClick r:id="rId3"/>
-              </a:rPr>
-              <a:t>://</a:t>
-            </a:r>
-            <a:r>
-              <a:rPr lang="en-US" altLang="zh-CN" smtClean="0">
-                <a:hlinkClick r:id="rId3"/>
-              </a:rPr>
-              <a:t>www.cnblogs.com/AdaminXie</a:t>
-            </a:r>
-            <a:endParaRPr lang="zh-CN" altLang="en-US"/>
-          </a:p>
-        </p:txBody>
-      </p:sp>
-    </p:spTree>
-    <p:extLst>
-      <p:ext uri="{BB962C8B-B14F-4D97-AF65-F5344CB8AC3E}">
-        <p14:creationId xmlns:p14="http://schemas.microsoft.com/office/powerpoint/2010/main" val="1267256101"/>
-      </p:ext>
-    </p:extLst>
-  </p:cSld>
-  <p:clrMapOvr>
-    <a:masterClrMapping/>
-  </p:clrMapOvr>
-</p:sld>
-</file>
-
-<file path=ppt/slides/slide2.xml><?xml version="1.0" encoding="utf-8"?>
-<p:sld xmlns:a="http://schemas.openxmlformats.org/drawingml/2006/main" xmlns:r="http://schemas.openxmlformats.org/officeDocument/2006/relationships" xmlns:p="http://schemas.openxmlformats.org/presentationml/2006/main">
-  <p:cSld>
-    <p:spTree>
-      <p:nvGrpSpPr>
-        <p:cNvPr id="1" name=""/>
-        <p:cNvGrpSpPr/>
-        <p:nvPr/>
-      </p:nvGrpSpPr>
-      <p:grpSpPr>
-        <a:xfrm>
-          <a:off x="0" y="0"/>
-          <a:ext cx="0" cy="0"/>
-          <a:chOff x="0" y="0"/>
-          <a:chExt cx="0" cy="0"/>
-        </a:xfrm>
-      </p:grpSpPr>
-      <p:sp>
-        <p:nvSpPr>
-          <p:cNvPr id="2" name="标题 1"/>
-          <p:cNvSpPr>
-            <a:spLocks noGrp="1"/>
-          </p:cNvSpPr>
-          <p:nvPr>
             <p:ph type="title"/>
           </p:nvPr>
         </p:nvSpPr>
@@ -3148,7 +2976,7 @@
               </a:lnSpc>
             </a:pPr>
             <a:r>
-              <a:rPr lang="en-US" altLang="zh-CN" sz="2000" smtClean="0">
+              <a:rPr lang="en-US" altLang="zh-CN" sz="2000">
                 <a:ln w="0"/>
                 <a:solidFill>
                   <a:schemeClr val="accent1">
@@ -3213,11 +3041,11 @@
               </a:lnSpc>
             </a:pPr>
             <a:r>
-              <a:rPr lang="zh-CN" altLang="en-US" sz="1100" smtClean="0"/>
+              <a:rPr lang="zh-CN" altLang="en-US" sz="1100"/>
               <a:t>利用 </a:t>
             </a:r>
             <a:r>
-              <a:rPr lang="en-US" altLang="zh-CN" sz="1100" smtClean="0"/>
+              <a:rPr lang="en-US" altLang="zh-CN" sz="1100"/>
               <a:t>get_face_from_camera.py</a:t>
             </a:r>
           </a:p>
@@ -3228,18 +3056,17 @@
               </a:lnSpc>
             </a:pPr>
             <a:r>
-              <a:rPr lang="zh-CN" altLang="en-US" sz="1100" smtClean="0"/>
+              <a:rPr lang="zh-CN" altLang="en-US" sz="1100"/>
               <a:t>从 </a:t>
             </a:r>
             <a:r>
-              <a:rPr lang="en-US" altLang="zh-CN" sz="1100" smtClean="0"/>
+              <a:rPr lang="en-US" altLang="zh-CN" sz="1100"/>
               <a:t>camera </a:t>
             </a:r>
             <a:r>
-              <a:rPr lang="zh-CN" altLang="en-US" sz="1100" smtClean="0"/>
+              <a:rPr lang="zh-CN" altLang="en-US" sz="1100"/>
               <a:t>截取到的人脸；</a:t>
             </a:r>
-            <a:endParaRPr lang="zh-CN" altLang="en-US" sz="1100"/>
           </a:p>
         </p:txBody>
       </p:sp>
@@ -3327,42 +3154,6 @@
           </a:p>
         </p:txBody>
       </p:sp>
-      <p:cxnSp>
-        <p:nvCxnSpPr>
-          <p:cNvPr id="18" name="直接箭头连接符 17"/>
-          <p:cNvCxnSpPr>
-            <a:stCxn id="1026" idx="2"/>
-            <a:endCxn id="8" idx="0"/>
-          </p:cNvCxnSpPr>
-          <p:nvPr/>
-        </p:nvCxnSpPr>
-        <p:spPr>
-          <a:xfrm flipH="1">
-            <a:off x="1525305" y="3147986"/>
-            <a:ext cx="6527" cy="1017586"/>
-          </a:xfrm>
-          <a:prstGeom prst="straightConnector1">
-            <a:avLst/>
-          </a:prstGeom>
-          <a:ln>
-            <a:tailEnd type="triangle"/>
-          </a:ln>
-        </p:spPr>
-        <p:style>
-          <a:lnRef idx="1">
-            <a:schemeClr val="dk1"/>
-          </a:lnRef>
-          <a:fillRef idx="0">
-            <a:schemeClr val="dk1"/>
-          </a:fillRef>
-          <a:effectRef idx="0">
-            <a:schemeClr val="dk1"/>
-          </a:effectRef>
-          <a:fontRef idx="minor">
-            <a:schemeClr val="tx1"/>
-          </a:fontRef>
-        </p:style>
-      </p:cxnSp>
       <p:cxnSp>
         <p:nvCxnSpPr>
           <p:cNvPr id="19" name="直接箭头连接符 18"/>
@@ -3464,27 +3255,31 @@
               </a:lnSpc>
             </a:pPr>
             <a:r>
-              <a:rPr lang="zh-CN" altLang="en-US" sz="1100" smtClean="0"/>
+              <a:rPr lang="zh-CN" altLang="en-US" sz="1100" dirty="0"/>
               <a:t>得到的 </a:t>
             </a:r>
             <a:r>
-              <a:rPr lang="en-US" altLang="zh-CN" sz="1100" smtClean="0"/>
-              <a:t>person_X </a:t>
-            </a:r>
-            <a:r>
-              <a:rPr lang="zh-CN" altLang="en-US" sz="1100" smtClean="0"/>
+              <a:rPr lang="en-US" altLang="zh-CN" sz="1100" dirty="0" err="1"/>
+              <a:t>person_X</a:t>
+            </a:r>
+            <a:r>
+              <a:rPr lang="en-US" altLang="zh-CN" sz="1100" dirty="0"/>
+              <a:t> </a:t>
+            </a:r>
+            <a:r>
+              <a:rPr lang="zh-CN" altLang="en-US" sz="1100" dirty="0"/>
               <a:t>的 </a:t>
             </a:r>
             <a:r>
-              <a:rPr lang="en-US" altLang="zh-CN" sz="1100" smtClean="0"/>
+              <a:rPr lang="en-US" altLang="zh-CN" sz="1100" dirty="0"/>
               <a:t>128D </a:t>
             </a:r>
             <a:r>
-              <a:rPr lang="zh-CN" altLang="en-US" sz="1100" smtClean="0"/>
+              <a:rPr lang="zh-CN" altLang="en-US" sz="1100" dirty="0"/>
               <a:t>特征的均值</a:t>
             </a:r>
             <a:r>
-              <a:rPr lang="en-US" altLang="zh-CN" sz="1100" smtClean="0"/>
+              <a:rPr lang="en-US" altLang="zh-CN" sz="1100" dirty="0"/>
               <a:t>;</a:t>
             </a:r>
           </a:p>
@@ -3495,18 +3290,14 @@
               </a:lnSpc>
             </a:pPr>
             <a:r>
-              <a:rPr lang="zh-CN" altLang="en-US" sz="1100"/>
-              <a:t>存入</a:t>
-            </a:r>
-            <a:r>
-              <a:rPr lang="zh-CN" altLang="en-US" sz="1100" smtClean="0"/>
-              <a:t> </a:t>
-            </a:r>
-            <a:r>
-              <a:rPr lang="en-US" altLang="zh-CN" sz="1100" b="1" smtClean="0"/>
+              <a:rPr lang="zh-CN" altLang="en-US" sz="1100" dirty="0"/>
+              <a:t>存入 </a:t>
+            </a:r>
+            <a:r>
+              <a:rPr lang="en-US" altLang="zh-CN" sz="1100" b="1" dirty="0"/>
               <a:t>features_all.csv</a:t>
             </a:r>
-            <a:endParaRPr lang="zh-CN" altLang="en-US" sz="1100" b="1"/>
+            <a:endParaRPr lang="zh-CN" altLang="en-US" sz="1100" b="1" dirty="0"/>
           </a:p>
         </p:txBody>
       </p:sp>
@@ -3557,7 +3348,7 @@
               </a:lnSpc>
             </a:pPr>
             <a:r>
-              <a:rPr lang="en-US" altLang="zh-CN" sz="2000" smtClean="0">
+              <a:rPr lang="en-US" altLang="zh-CN" sz="2000">
                 <a:ln w="0"/>
                 <a:solidFill>
                   <a:schemeClr val="accent1">
@@ -3627,26 +3418,25 @@
               </a:lnSpc>
             </a:pPr>
             <a:r>
-              <a:rPr lang="zh-CN" altLang="en-US" sz="1100" smtClean="0"/>
+              <a:rPr lang="zh-CN" altLang="en-US" sz="1100"/>
               <a:t>利用 </a:t>
             </a:r>
             <a:r>
-              <a:rPr lang="en-US" altLang="zh-CN" sz="1100" smtClean="0"/>
+              <a:rPr lang="en-US" altLang="zh-CN" sz="1100"/>
               <a:t>cv2.VideoCapture() </a:t>
             </a:r>
             <a:r>
-              <a:rPr lang="zh-CN" altLang="en-US" sz="1100" smtClean="0"/>
+              <a:rPr lang="zh-CN" altLang="en-US" sz="1100"/>
               <a:t>获取 </a:t>
             </a:r>
             <a:r>
-              <a:rPr lang="en-US" altLang="zh-CN" sz="1100" smtClean="0"/>
+              <a:rPr lang="en-US" altLang="zh-CN" sz="1100"/>
               <a:t>camera </a:t>
             </a:r>
             <a:r>
-              <a:rPr lang="zh-CN" altLang="en-US" sz="1100" smtClean="0"/>
+              <a:rPr lang="zh-CN" altLang="en-US" sz="1100"/>
               <a:t>画面</a:t>
             </a:r>
-            <a:endParaRPr lang="zh-CN" altLang="en-US" sz="1100"/>
           </a:p>
         </p:txBody>
       </p:sp>
@@ -3683,18 +3473,17 @@
               </a:lnSpc>
             </a:pPr>
             <a:r>
-              <a:rPr lang="zh-CN" altLang="en-US" sz="1100" smtClean="0"/>
+              <a:rPr lang="zh-CN" altLang="en-US" sz="1100"/>
               <a:t>利用 </a:t>
             </a:r>
             <a:r>
-              <a:rPr lang="en-US" altLang="zh-CN" sz="1100" smtClean="0"/>
+              <a:rPr lang="en-US" altLang="zh-CN" sz="1100"/>
               <a:t>Dlib </a:t>
             </a:r>
             <a:r>
-              <a:rPr lang="zh-CN" altLang="en-US" sz="1100" smtClean="0"/>
+              <a:rPr lang="zh-CN" altLang="en-US" sz="1100"/>
               <a:t>进行实时人脸检测</a:t>
             </a:r>
-            <a:endParaRPr lang="zh-CN" altLang="en-US" sz="1100"/>
           </a:p>
         </p:txBody>
       </p:sp>
@@ -3731,18 +3520,18 @@
               </a:lnSpc>
             </a:pPr>
             <a:r>
-              <a:rPr lang="zh-CN" altLang="en-US" sz="1100" smtClean="0"/>
+              <a:rPr lang="zh-CN" altLang="en-US" sz="1100"/>
               <a:t>提取出摄像头中人脸的 </a:t>
             </a:r>
             <a:r>
-              <a:rPr lang="en-US" altLang="zh-CN" sz="1100" smtClean="0"/>
+              <a:rPr lang="en-US" altLang="zh-CN" sz="1100"/>
               <a:t>128D </a:t>
             </a:r>
             <a:r>
-              <a:rPr lang="zh-CN" altLang="en-US" sz="1100" smtClean="0"/>
+              <a:rPr lang="zh-CN" altLang="en-US" sz="1100"/>
               <a:t>特征；</a:t>
             </a:r>
-            <a:endParaRPr lang="en-US" altLang="zh-CN" sz="1100" smtClean="0"/>
+            <a:endParaRPr lang="en-US" altLang="zh-CN" sz="1100"/>
           </a:p>
           <a:p>
             <a:pPr algn="ctr">
@@ -3751,7 +3540,7 @@
               </a:lnSpc>
             </a:pPr>
             <a:r>
-              <a:rPr lang="zh-CN" altLang="en-US" sz="1100" smtClean="0"/>
+              <a:rPr lang="zh-CN" altLang="en-US" sz="1100"/>
               <a:t>记为 </a:t>
             </a:r>
             <a:r>
@@ -3759,10 +3548,9 @@
               <a:t>features_cap_arr</a:t>
             </a:r>
             <a:r>
-              <a:rPr lang="zh-CN" altLang="en-US" sz="1100" smtClean="0"/>
+              <a:rPr lang="zh-CN" altLang="en-US" sz="1100"/>
               <a:t>；</a:t>
             </a:r>
-            <a:endParaRPr lang="zh-CN" altLang="en-US" sz="1100"/>
           </a:p>
         </p:txBody>
       </p:sp>
@@ -3803,22 +3591,18 @@
               <a:t>计算</a:t>
             </a:r>
             <a:r>
-              <a:rPr lang="zh-CN" altLang="en-US" sz="1100" b="1" smtClean="0"/>
+              <a:rPr lang="zh-CN" altLang="en-US" sz="1100" b="1"/>
               <a:t>已知人脸数据库特征 </a:t>
             </a:r>
             <a:r>
-              <a:rPr lang="en-US" altLang="zh-CN" sz="1100" b="1" smtClean="0"/>
+              <a:rPr lang="en-US" altLang="zh-CN" sz="1100" b="1"/>
               <a:t>features_known_arr </a:t>
             </a:r>
             <a:r>
               <a:rPr lang="zh-CN" altLang="en-US" sz="1100"/>
-              <a:t>和</a:t>
-            </a:r>
-            <a:r>
-              <a:rPr lang="zh-CN" altLang="en-US" sz="1100" smtClean="0"/>
-              <a:t> </a:t>
-            </a:r>
-            <a:endParaRPr lang="en-US" altLang="zh-CN" sz="1100" smtClean="0"/>
+              <a:t>和 </a:t>
+            </a:r>
+            <a:endParaRPr lang="en-US" altLang="zh-CN" sz="1100"/>
           </a:p>
           <a:p>
             <a:pPr>
@@ -3827,18 +3611,17 @@
               </a:lnSpc>
             </a:pPr>
             <a:r>
-              <a:rPr lang="zh-CN" altLang="en-US" sz="1100" b="1" smtClean="0"/>
+              <a:rPr lang="zh-CN" altLang="en-US" sz="1100" b="1"/>
               <a:t>实时捕获人脸特征 </a:t>
             </a:r>
             <a:r>
-              <a:rPr lang="en-US" altLang="zh-CN" sz="1100" b="1" smtClean="0"/>
+              <a:rPr lang="en-US" altLang="zh-CN" sz="1100" b="1"/>
               <a:t>features_cap_arr </a:t>
             </a:r>
             <a:r>
-              <a:rPr lang="zh-CN" altLang="en-US" sz="1100" smtClean="0"/>
+              <a:rPr lang="zh-CN" altLang="en-US" sz="1100"/>
               <a:t>的欧式距离</a:t>
             </a:r>
-            <a:endParaRPr lang="zh-CN" altLang="en-US" sz="1100"/>
           </a:p>
         </p:txBody>
       </p:sp>
@@ -3870,11 +3653,11 @@
               </a:lnSpc>
             </a:pPr>
             <a:r>
-              <a:rPr lang="zh-CN" altLang="en-US" sz="1100" smtClean="0"/>
+              <a:rPr lang="zh-CN" altLang="en-US" sz="1100"/>
               <a:t>阈值</a:t>
             </a:r>
             <a:r>
-              <a:rPr lang="en-US" altLang="zh-CN" sz="1100" smtClean="0"/>
+              <a:rPr lang="en-US" altLang="zh-CN" sz="1100"/>
               <a:t>0.4</a:t>
             </a:r>
             <a:endParaRPr lang="zh-CN" altLang="en-US" sz="1100"/>
@@ -3914,11 +3697,11 @@
               </a:lnSpc>
             </a:pPr>
             <a:r>
-              <a:rPr lang="zh-CN" altLang="en-US" sz="1100" smtClean="0"/>
+              <a:rPr lang="zh-CN" altLang="en-US" sz="1100"/>
               <a:t>欧氏距离大于</a:t>
             </a:r>
             <a:r>
-              <a:rPr lang="en-US" altLang="zh-CN" sz="1100" smtClean="0"/>
+              <a:rPr lang="en-US" altLang="zh-CN" sz="1100"/>
               <a:t>0.4</a:t>
             </a:r>
             <a:endParaRPr lang="zh-CN" altLang="en-US" sz="1100"/>
@@ -3958,11 +3741,11 @@
               </a:lnSpc>
             </a:pPr>
             <a:r>
-              <a:rPr lang="zh-CN" altLang="en-US" sz="1100" smtClean="0"/>
+              <a:rPr lang="zh-CN" altLang="en-US" sz="1100"/>
               <a:t>欧氏距离小于等于</a:t>
             </a:r>
             <a:r>
-              <a:rPr lang="en-US" altLang="zh-CN" sz="1100" smtClean="0"/>
+              <a:rPr lang="en-US" altLang="zh-CN" sz="1100"/>
               <a:t>0.4</a:t>
             </a:r>
             <a:endParaRPr lang="zh-CN" altLang="en-US" sz="1100"/>
@@ -4002,16 +3785,8 @@
               </a:lnSpc>
             </a:pPr>
             <a:r>
-              <a:rPr lang="zh-CN" altLang="en-US" sz="1100" smtClean="0"/>
-              <a:t>在预</a:t>
-            </a:r>
-            <a:r>
               <a:rPr lang="zh-CN" altLang="en-US" sz="1100"/>
-              <a:t>设人脸</a:t>
-            </a:r>
-            <a:r>
-              <a:rPr lang="zh-CN" altLang="en-US" sz="1100" smtClean="0"/>
-              <a:t>数据库中找到欧式距离小的；</a:t>
+              <a:t>在预设人脸数据库中找到欧式距离小的；</a:t>
             </a:r>
             <a:endParaRPr lang="en-US" altLang="zh-CN" sz="1100"/>
           </a:p>
@@ -4026,14 +3801,13 @@
               <a:t>判定摄像头中的人是 </a:t>
             </a:r>
             <a:r>
-              <a:rPr lang="en-US" altLang="zh-CN" sz="1100" smtClean="0"/>
+              <a:rPr lang="en-US" altLang="zh-CN" sz="1100"/>
               <a:t>person_X</a:t>
             </a:r>
             <a:r>
-              <a:rPr lang="zh-CN" altLang="en-US" sz="1100" smtClean="0"/>
+              <a:rPr lang="zh-CN" altLang="en-US" sz="1100"/>
               <a:t>；</a:t>
             </a:r>
-            <a:endParaRPr lang="zh-CN" altLang="en-US" sz="1100"/>
           </a:p>
         </p:txBody>
       </p:sp>
@@ -4070,10 +3844,10 @@
               </a:lnSpc>
             </a:pPr>
             <a:r>
-              <a:rPr lang="zh-CN" altLang="en-US" sz="1100" smtClean="0"/>
+              <a:rPr lang="zh-CN" altLang="en-US" sz="1100"/>
               <a:t>和预设人脸数据库的特征差异都较大；</a:t>
             </a:r>
-            <a:endParaRPr lang="en-US" altLang="zh-CN" sz="1100" smtClean="0"/>
+            <a:endParaRPr lang="en-US" altLang="zh-CN" sz="1100"/>
           </a:p>
           <a:p>
             <a:pPr algn="ctr">
@@ -4082,18 +3856,17 @@
               </a:lnSpc>
             </a:pPr>
             <a:r>
-              <a:rPr lang="zh-CN" altLang="en-US" sz="1100" smtClean="0"/>
+              <a:rPr lang="zh-CN" altLang="en-US" sz="1100"/>
               <a:t>判定摄像头中的人是 </a:t>
             </a:r>
             <a:r>
-              <a:rPr lang="en-US" altLang="zh-CN" sz="1100" smtClean="0"/>
+              <a:rPr lang="en-US" altLang="zh-CN" sz="1100"/>
               <a:t>unknown</a:t>
             </a:r>
             <a:r>
-              <a:rPr lang="zh-CN" altLang="en-US" sz="1100" smtClean="0"/>
+              <a:rPr lang="zh-CN" altLang="en-US" sz="1100"/>
               <a:t>；</a:t>
             </a:r>
-            <a:endParaRPr lang="zh-CN" altLang="en-US" sz="1100"/>
           </a:p>
         </p:txBody>
       </p:sp>
@@ -4290,45 +4063,6 @@
       </p:sp>
       <p:sp>
         <p:nvSpPr>
-          <p:cNvPr id="49" name="文本框 48"/>
-          <p:cNvSpPr txBox="1"/>
-          <p:nvPr/>
-        </p:nvSpPr>
-        <p:spPr>
-          <a:xfrm>
-            <a:off x="1891130" y="3104026"/>
-            <a:ext cx="971741" cy="320409"/>
-          </a:xfrm>
-          <a:prstGeom prst="rect">
-            <a:avLst/>
-          </a:prstGeom>
-          <a:noFill/>
-        </p:spPr>
-        <p:txBody>
-          <a:bodyPr wrap="none" rtlCol="0">
-            <a:spAutoFit/>
-          </a:bodyPr>
-          <a:lstStyle/>
-          <a:p>
-            <a:pPr>
-              <a:lnSpc>
-                <a:spcPct val="150000"/>
-              </a:lnSpc>
-            </a:pPr>
-            <a:r>
-              <a:rPr lang="en-US" altLang="zh-CN" sz="1100" b="1" smtClean="0"/>
-              <a:t>camera </a:t>
-            </a:r>
-            <a:r>
-              <a:rPr lang="zh-CN" altLang="en-US" sz="1100" b="1" smtClean="0"/>
-              <a:t>窗口</a:t>
-            </a:r>
-            <a:endParaRPr lang="zh-CN" altLang="en-US" sz="1100" b="1"/>
-          </a:p>
-        </p:txBody>
-      </p:sp>
-      <p:sp>
-        <p:nvSpPr>
           <p:cNvPr id="57" name="矩形 56"/>
           <p:cNvSpPr/>
           <p:nvPr/>
@@ -4359,23 +4093,23 @@
               </a:lnSpc>
             </a:pPr>
             <a:r>
-              <a:rPr lang="zh-CN" altLang="en-US" sz="1100" smtClean="0"/>
+              <a:rPr lang="zh-CN" altLang="en-US" sz="1100" dirty="0"/>
               <a:t>利用 </a:t>
             </a:r>
             <a:r>
-              <a:rPr lang="en-US" altLang="zh-CN" sz="1100" smtClean="0"/>
+              <a:rPr lang="en-US" altLang="zh-CN" sz="1100" dirty="0"/>
               <a:t>return_128d_features() </a:t>
             </a:r>
             <a:r>
-              <a:rPr lang="zh-CN" altLang="en-US" sz="1100" smtClean="0"/>
+              <a:rPr lang="zh-CN" altLang="en-US" sz="1100" dirty="0"/>
               <a:t>提取图像 </a:t>
             </a:r>
             <a:r>
-              <a:rPr lang="en-US" altLang="zh-CN" sz="1100" smtClean="0"/>
+              <a:rPr lang="en-US" altLang="zh-CN" sz="1100" dirty="0"/>
               <a:t>128D </a:t>
             </a:r>
             <a:r>
-              <a:rPr lang="zh-CN" altLang="en-US" sz="1100" smtClean="0"/>
+              <a:rPr lang="zh-CN" altLang="en-US" sz="1100" dirty="0"/>
               <a:t>特征</a:t>
             </a:r>
           </a:p>
@@ -4738,81 +4472,6 @@
           </a:fontRef>
         </p:style>
       </p:cxnSp>
-      <p:pic>
-        <p:nvPicPr>
-          <p:cNvPr id="1026" name="Picture 2" descr="https://img2018.cnblogs.com/blog/1152352/201810/1152352-20181004110854623-357405603.png"/>
-          <p:cNvPicPr>
-            <a:picLocks noChangeAspect="1" noChangeArrowheads="1"/>
-          </p:cNvPicPr>
-          <p:nvPr/>
-        </p:nvPicPr>
-        <p:blipFill>
-          <a:blip r:embed="rId2" cstate="print">
-            <a:extLst>
-              <a:ext uri="{28A0092B-C50C-407E-A947-70E740481C1C}">
-                <a14:useLocalDpi xmlns:a14="http://schemas.microsoft.com/office/drawing/2010/main" val="0"/>
-              </a:ext>
-            </a:extLst>
-          </a:blip>
-          <a:srcRect/>
-          <a:stretch>
-            <a:fillRect/>
-          </a:stretch>
-        </p:blipFill>
-        <p:spPr bwMode="auto">
-          <a:xfrm>
-            <a:off x="302457" y="1204434"/>
-            <a:ext cx="2458750" cy="1943552"/>
-          </a:xfrm>
-          <a:prstGeom prst="rect">
-            <a:avLst/>
-          </a:prstGeom>
-          <a:noFill/>
-          <a:ln>
-            <a:solidFill>
-              <a:schemeClr val="tx1"/>
-            </a:solidFill>
-          </a:ln>
-          <a:extLst>
-            <a:ext uri="{909E8E84-426E-40DD-AFC4-6F175D3DCCD1}">
-              <a14:hiddenFill xmlns:a14="http://schemas.microsoft.com/office/drawing/2010/main">
-                <a:solidFill>
-                  <a:srgbClr val="FFFFFF"/>
-                </a:solidFill>
-              </a14:hiddenFill>
-            </a:ext>
-          </a:extLst>
-        </p:spPr>
-      </p:pic>
-      <p:pic>
-        <p:nvPicPr>
-          <p:cNvPr id="8" name="图片 7"/>
-          <p:cNvPicPr>
-            <a:picLocks noChangeAspect="1"/>
-          </p:cNvPicPr>
-          <p:nvPr/>
-        </p:nvPicPr>
-        <p:blipFill>
-          <a:blip r:embed="rId3"/>
-          <a:stretch>
-            <a:fillRect/>
-          </a:stretch>
-        </p:blipFill>
-        <p:spPr>
-          <a:xfrm>
-            <a:off x="289403" y="4165572"/>
-            <a:ext cx="2471804" cy="1302814"/>
-          </a:xfrm>
-          <a:prstGeom prst="rect">
-            <a:avLst/>
-          </a:prstGeom>
-          <a:ln>
-            <a:solidFill>
-              <a:schemeClr val="tx1"/>
-            </a:solidFill>
-          </a:ln>
-        </p:spPr>
-      </p:pic>
       <p:cxnSp>
         <p:nvCxnSpPr>
           <p:cNvPr id="104" name="直接箭头连接符 103"/>
@@ -4857,7 +4516,7 @@
           <p:nvPr/>
         </p:nvPicPr>
         <p:blipFill>
-          <a:blip r:embed="rId4"/>
+          <a:blip r:embed="rId2"/>
           <a:stretch>
             <a:fillRect/>
           </a:stretch>
@@ -4872,41 +4531,6 @@
           </a:prstGeom>
         </p:spPr>
       </p:pic>
-      <p:sp>
-        <p:nvSpPr>
-          <p:cNvPr id="41" name="文本框 40"/>
-          <p:cNvSpPr txBox="1"/>
-          <p:nvPr/>
-        </p:nvSpPr>
-        <p:spPr>
-          <a:xfrm>
-            <a:off x="1575492" y="3550258"/>
-            <a:ext cx="1101584" cy="346249"/>
-          </a:xfrm>
-          <a:prstGeom prst="rect">
-            <a:avLst/>
-          </a:prstGeom>
-          <a:noFill/>
-        </p:spPr>
-        <p:txBody>
-          <a:bodyPr wrap="none" rtlCol="0">
-            <a:spAutoFit/>
-          </a:bodyPr>
-          <a:lstStyle/>
-          <a:p>
-            <a:pPr>
-              <a:lnSpc>
-                <a:spcPct val="150000"/>
-              </a:lnSpc>
-            </a:pPr>
-            <a:r>
-              <a:rPr lang="en-US" altLang="zh-CN" sz="1100" smtClean="0"/>
-              <a:t>press ‘n’ and ‘s’</a:t>
-            </a:r>
-            <a:endParaRPr lang="zh-CN" altLang="en-US" sz="1100"/>
-          </a:p>
-        </p:txBody>
-      </p:sp>
     </p:spTree>
     <p:extLst>
       <p:ext uri="{BB962C8B-B14F-4D97-AF65-F5344CB8AC3E}">
